--- a/ML TERM COURSE - ENRICO FERRAZ.pptx
+++ b/ML TERM COURSE - ENRICO FERRAZ.pptx
@@ -5582,6 +5582,42 @@
           </a:p>
         </p:txBody>
       </p:sp>
+      <p:pic>
+        <p:nvPicPr>
+          <p:cNvPr id="10" name="Imagem 9">
+            <a:extLst>
+              <a:ext uri="{FF2B5EF4-FFF2-40B4-BE49-F238E27FC236}">
+                <a16:creationId xmlns:a16="http://schemas.microsoft.com/office/drawing/2014/main" id="{B14DA866-9050-CBC0-7143-30AF42EF89F6}"/>
+              </a:ext>
+            </a:extLst>
+          </p:cNvPr>
+          <p:cNvPicPr>
+            <a:picLocks noChangeAspect="1"/>
+          </p:cNvPicPr>
+          <p:nvPr/>
+        </p:nvPicPr>
+        <p:blipFill>
+          <a:blip r:embed="rId3">
+            <a:extLst>
+              <a:ext uri="{28A0092B-C50C-407E-A947-70E740481C1C}">
+                <a14:useLocalDpi xmlns:a14="http://schemas.microsoft.com/office/drawing/2010/main" val="0"/>
+              </a:ext>
+            </a:extLst>
+          </a:blip>
+          <a:stretch>
+            <a:fillRect/>
+          </a:stretch>
+        </p:blipFill>
+        <p:spPr>
+          <a:xfrm>
+            <a:off x="168950" y="1424479"/>
+            <a:ext cx="4483374" cy="2890086"/>
+          </a:xfrm>
+          <a:prstGeom prst="rect">
+            <a:avLst/>
+          </a:prstGeom>
+        </p:spPr>
+      </p:pic>
     </p:spTree>
     <p:extLst>
       <p:ext uri="{BB962C8B-B14F-4D97-AF65-F5344CB8AC3E}">
@@ -7925,26 +7961,6 @@
 </file>
 
 <file path=customXml/item1.xml><?xml version="1.0" encoding="utf-8"?>
-<p:properties xmlns:p="http://schemas.microsoft.com/office/2006/metadata/properties" xmlns:xsi="http://www.w3.org/2001/XMLSchema-instance" xmlns:pc="http://schemas.microsoft.com/office/infopath/2007/PartnerControls">
-  <documentManagement>
-    <_ip_UnifiedCompliancePolicyUIAction xmlns="http://schemas.microsoft.com/sharepoint/v3" xsi:nil="true"/>
-    <Image xmlns="71af3243-3dd4-4a8d-8c0d-dd76da1f02a5">
-      <Url xsi:nil="true"/>
-      <Description xsi:nil="true"/>
-    </Image>
-    <Status xmlns="71af3243-3dd4-4a8d-8c0d-dd76da1f02a5">Not started</Status>
-    <Background xmlns="71af3243-3dd4-4a8d-8c0d-dd76da1f02a5">false</Background>
-    <_ip_UnifiedCompliancePolicyProperties xmlns="http://schemas.microsoft.com/sharepoint/v3" xsi:nil="true"/>
-    <ImageTagsTaxHTField xmlns="71af3243-3dd4-4a8d-8c0d-dd76da1f02a5">
-      <Terms xmlns="http://schemas.microsoft.com/office/infopath/2007/PartnerControls"/>
-    </ImageTagsTaxHTField>
-    <TaxCatchAll xmlns="230e9df3-be65-4c73-a93b-d1236ebd677e" xsi:nil="true"/>
-    <MediaServiceKeyPoints xmlns="71af3243-3dd4-4a8d-8c0d-dd76da1f02a5" xsi:nil="true"/>
-  </documentManagement>
-</p:properties>
-</file>
-
-<file path=customXml/item2.xml><?xml version="1.0" encoding="utf-8"?>
 <ct:contentTypeSchema xmlns:ct="http://schemas.microsoft.com/office/2006/metadata/contentType" xmlns:ma="http://schemas.microsoft.com/office/2006/metadata/properties/metaAttributes" ct:_="" ma:_="" ma:contentTypeName="Document" ma:contentTypeID="0x01010079F111ED35F8CC479449609E8A0923A6" ma:contentTypeVersion="27" ma:contentTypeDescription="Create a new document." ma:contentTypeScope="" ma:versionID="c6f9a84f66a9c8b9a21755b9ffafb945">
   <xsd:schema xmlns:xsd="http://www.w3.org/2001/XMLSchema" xmlns:xs="http://www.w3.org/2001/XMLSchema" xmlns:p="http://schemas.microsoft.com/office/2006/metadata/properties" xmlns:ns1="http://schemas.microsoft.com/sharepoint/v3" xmlns:ns2="71af3243-3dd4-4a8d-8c0d-dd76da1f02a5" xmlns:ns3="16c05727-aa75-4e4a-9b5f-8a80a1165891" xmlns:ns4="230e9df3-be65-4c73-a93b-d1236ebd677e" targetNamespace="http://schemas.microsoft.com/office/2006/metadata/properties" ma:root="true" ma:fieldsID="27df39e3e7036dff54f89ddd5805ce72" ns1:_="" ns2:_="" ns3:_="" ns4:_="">
     <xsd:import namespace="http://schemas.microsoft.com/sharepoint/v3"/>
@@ -8250,6 +8266,26 @@
 </ct:contentTypeSchema>
 </file>
 
+<file path=customXml/item2.xml><?xml version="1.0" encoding="utf-8"?>
+<p:properties xmlns:p="http://schemas.microsoft.com/office/2006/metadata/properties" xmlns:xsi="http://www.w3.org/2001/XMLSchema-instance" xmlns:pc="http://schemas.microsoft.com/office/infopath/2007/PartnerControls">
+  <documentManagement>
+    <_ip_UnifiedCompliancePolicyUIAction xmlns="http://schemas.microsoft.com/sharepoint/v3" xsi:nil="true"/>
+    <Image xmlns="71af3243-3dd4-4a8d-8c0d-dd76da1f02a5">
+      <Url xsi:nil="true"/>
+      <Description xsi:nil="true"/>
+    </Image>
+    <Status xmlns="71af3243-3dd4-4a8d-8c0d-dd76da1f02a5">Not started</Status>
+    <Background xmlns="71af3243-3dd4-4a8d-8c0d-dd76da1f02a5">false</Background>
+    <_ip_UnifiedCompliancePolicyProperties xmlns="http://schemas.microsoft.com/sharepoint/v3" xsi:nil="true"/>
+    <ImageTagsTaxHTField xmlns="71af3243-3dd4-4a8d-8c0d-dd76da1f02a5">
+      <Terms xmlns="http://schemas.microsoft.com/office/infopath/2007/PartnerControls"/>
+    </ImageTagsTaxHTField>
+    <TaxCatchAll xmlns="230e9df3-be65-4c73-a93b-d1236ebd677e" xsi:nil="true"/>
+    <MediaServiceKeyPoints xmlns="71af3243-3dd4-4a8d-8c0d-dd76da1f02a5" xsi:nil="true"/>
+  </documentManagement>
+</p:properties>
+</file>
+
 <file path=customXml/item3.xml><?xml version="1.0" encoding="utf-8"?>
 <?mso-contentType ?>
 <FormTemplates xmlns="http://schemas.microsoft.com/sharepoint/v3/contenttype/forms">
@@ -8260,18 +8296,6 @@
 </file>
 
 <file path=customXml/itemProps1.xml><?xml version="1.0" encoding="utf-8"?>
-<ds:datastoreItem xmlns:ds="http://schemas.openxmlformats.org/officeDocument/2006/customXml" ds:itemID="{6F4F4D41-822D-40F2-A7AC-E4E6CB36CA7A}">
-  <ds:schemaRefs>
-    <ds:schemaRef ds:uri="http://schemas.microsoft.com/office/2006/metadata/properties"/>
-    <ds:schemaRef ds:uri="http://schemas.microsoft.com/office/infopath/2007/PartnerControls"/>
-    <ds:schemaRef ds:uri="http://schemas.microsoft.com/sharepoint/v3"/>
-    <ds:schemaRef ds:uri="71af3243-3dd4-4a8d-8c0d-dd76da1f02a5"/>
-    <ds:schemaRef ds:uri="230e9df3-be65-4c73-a93b-d1236ebd677e"/>
-  </ds:schemaRefs>
-</ds:datastoreItem>
-</file>
-
-<file path=customXml/itemProps2.xml><?xml version="1.0" encoding="utf-8"?>
 <ds:datastoreItem xmlns:ds="http://schemas.openxmlformats.org/officeDocument/2006/customXml" ds:itemID="{C5A59D56-2157-4202-9D02-F44E447A241D}">
   <ds:schemaRefs>
     <ds:schemaRef ds:uri="http://schemas.microsoft.com/office/2006/metadata/contentType"/>
@@ -8292,6 +8316,18 @@
 </ds:datastoreItem>
 </file>
 
+<file path=customXml/itemProps2.xml><?xml version="1.0" encoding="utf-8"?>
+<ds:datastoreItem xmlns:ds="http://schemas.openxmlformats.org/officeDocument/2006/customXml" ds:itemID="{6F4F4D41-822D-40F2-A7AC-E4E6CB36CA7A}">
+  <ds:schemaRefs>
+    <ds:schemaRef ds:uri="http://schemas.microsoft.com/office/2006/metadata/properties"/>
+    <ds:schemaRef ds:uri="http://schemas.microsoft.com/office/infopath/2007/PartnerControls"/>
+    <ds:schemaRef ds:uri="http://schemas.microsoft.com/sharepoint/v3"/>
+    <ds:schemaRef ds:uri="71af3243-3dd4-4a8d-8c0d-dd76da1f02a5"/>
+    <ds:schemaRef ds:uri="230e9df3-be65-4c73-a93b-d1236ebd677e"/>
+  </ds:schemaRefs>
+</ds:datastoreItem>
+</file>
+
 <file path=customXml/itemProps3.xml><?xml version="1.0" encoding="utf-8"?>
 <ds:datastoreItem xmlns:ds="http://schemas.openxmlformats.org/officeDocument/2006/customXml" ds:itemID="{19DAD249-BF80-48EF-9AFB-36A11BCDC2CE}">
   <ds:schemaRefs>
